--- a/docs/surf_PiCas_25_09.pptx
+++ b/docs/surf_PiCas_25_09.pptx
@@ -13469,7 +13469,7 @@
           <a:p>
             <a:fld id="{243AB38A-B1B6-4CF4-9737-E1E5C73DA86F}" type="datetimeFigureOut">
               <a:rPr lang="nl-NL" smtClean="0"/>
-              <a:t>22-10-2023</a:t>
+              <a:t>22-11-2023</a:t>
             </a:fld>
             <a:endParaRPr lang="nl-NL"/>
           </a:p>
@@ -13634,7 +13634,7 @@
           <a:p>
             <a:fld id="{87012C6B-C807-4014-B6D4-CCA33426A2F8}" type="datetimeFigureOut">
               <a:rPr lang="nl-NL" smtClean="0"/>
-              <a:t>22-10-2023</a:t>
+              <a:t>22-11-2023</a:t>
             </a:fld>
             <a:endParaRPr lang="nl-NL"/>
           </a:p>
@@ -17225,7 +17225,15 @@
           <a:p>
             <a:r>
               <a:rPr lang="nl-NL" dirty="0"/>
-              <a:t>                                                                                                                                                                Sep 27, 2023</a:t>
+              <a:t>                                                                                                                                                                </a:t>
+            </a:r>
+            <a:r>
+              <a:rPr lang="nl-NL"/>
+              <a:t>Sep 25, </a:t>
+            </a:r>
+            <a:r>
+              <a:rPr lang="nl-NL" dirty="0"/>
+              <a:t>2023</a:t>
             </a:r>
           </a:p>
         </p:txBody>
@@ -26122,6 +26130,17 @@
 </file>
 
 <file path=customXml/item1.xml><?xml version="1.0" encoding="utf-8"?>
+<p:properties xmlns:p="http://schemas.microsoft.com/office/2006/metadata/properties" xmlns:xsi="http://www.w3.org/2001/XMLSchema-instance" xmlns:pc="http://schemas.microsoft.com/office/infopath/2007/PartnerControls">
+  <documentManagement/>
+</p:properties>
+</file>
+
+<file path=customXml/item2.xml><?xml version="1.0" encoding="utf-8"?>
+<?mso-contentType ?>
+<FormTemplates xmlns="http://schemas.microsoft.com/sharepoint/v3/contenttype/forms"/>
+</file>
+
+<file path=customXml/item3.xml><?xml version="1.0" encoding="utf-8"?>
 <ct:contentTypeSchema xmlns:ct="http://schemas.microsoft.com/office/2006/metadata/contentType" xmlns:ma="http://schemas.microsoft.com/office/2006/metadata/properties/metaAttributes" ct:_="" ma:_="" ma:contentTypeName="Document" ma:contentTypeID="0x010100086859371DDAC648AB582DB92A9B9FCD" ma:contentTypeVersion="7" ma:contentTypeDescription="Create a new document." ma:contentTypeScope="" ma:versionID="449f1516e04746bb0843d73c76b3a5b5">
   <xsd:schema xmlns:xsd="http://www.w3.org/2001/XMLSchema" xmlns:xs="http://www.w3.org/2001/XMLSchema" xmlns:p="http://schemas.microsoft.com/office/2006/metadata/properties" xmlns:ns2="b1348c9a-5a40-45ae-89a4-810516eb59f1" targetNamespace="http://schemas.microsoft.com/office/2006/metadata/properties" ma:root="true" ma:fieldsID="cd1def499376e73c44a9a2ccbe5f8050" ns2:_="">
     <xsd:import namespace="b1348c9a-5a40-45ae-89a4-810516eb59f1"/>
@@ -26267,18 +26286,24 @@
 </ct:contentTypeSchema>
 </file>
 
-<file path=customXml/item2.xml><?xml version="1.0" encoding="utf-8"?>
-<?mso-contentType ?>
-<FormTemplates xmlns="http://schemas.microsoft.com/sharepoint/v3/contenttype/forms"/>
+<file path=customXml/itemProps1.xml><?xml version="1.0" encoding="utf-8"?>
+<ds:datastoreItem xmlns:ds="http://schemas.openxmlformats.org/officeDocument/2006/customXml" ds:itemID="{6643C7E4-0230-49FC-BDCE-3B8DA6D4401C}">
+  <ds:schemaRefs>
+    <ds:schemaRef ds:uri="http://schemas.microsoft.com/office/2006/metadata/properties"/>
+    <ds:schemaRef ds:uri="http://schemas.microsoft.com/office/infopath/2007/PartnerControls"/>
+  </ds:schemaRefs>
+</ds:datastoreItem>
 </file>
 
-<file path=customXml/item3.xml><?xml version="1.0" encoding="utf-8"?>
-<p:properties xmlns:p="http://schemas.microsoft.com/office/2006/metadata/properties" xmlns:xsi="http://www.w3.org/2001/XMLSchema-instance" xmlns:pc="http://schemas.microsoft.com/office/infopath/2007/PartnerControls">
-  <documentManagement/>
-</p:properties>
+<file path=customXml/itemProps2.xml><?xml version="1.0" encoding="utf-8"?>
+<ds:datastoreItem xmlns:ds="http://schemas.openxmlformats.org/officeDocument/2006/customXml" ds:itemID="{34359BDD-17F1-413B-999E-1C506CDBF331}">
+  <ds:schemaRefs>
+    <ds:schemaRef ds:uri="http://schemas.microsoft.com/sharepoint/v3/contenttype/forms"/>
+  </ds:schemaRefs>
+</ds:datastoreItem>
 </file>
 
-<file path=customXml/itemProps1.xml><?xml version="1.0" encoding="utf-8"?>
+<file path=customXml/itemProps3.xml><?xml version="1.0" encoding="utf-8"?>
 <ds:datastoreItem xmlns:ds="http://schemas.openxmlformats.org/officeDocument/2006/customXml" ds:itemID="{77ED886B-BA52-44C5-A414-0907684F7A81}">
   <ds:schemaRefs>
     <ds:schemaRef ds:uri="http://schemas.microsoft.com/office/2006/metadata/contentType"/>
@@ -26294,21 +26319,4 @@
     <ds:schemaRef ds:uri="http://schemas.microsoft.com/internal/obd"/>
   </ds:schemaRefs>
 </ds:datastoreItem>
-</file>
-
-<file path=customXml/itemProps2.xml><?xml version="1.0" encoding="utf-8"?>
-<ds:datastoreItem xmlns:ds="http://schemas.openxmlformats.org/officeDocument/2006/customXml" ds:itemID="{34359BDD-17F1-413B-999E-1C506CDBF331}">
-  <ds:schemaRefs>
-    <ds:schemaRef ds:uri="http://schemas.microsoft.com/sharepoint/v3/contenttype/forms"/>
-  </ds:schemaRefs>
-</ds:datastoreItem>
-</file>
-
-<file path=customXml/itemProps3.xml><?xml version="1.0" encoding="utf-8"?>
-<ds:datastoreItem xmlns:ds="http://schemas.openxmlformats.org/officeDocument/2006/customXml" ds:itemID="{6643C7E4-0230-49FC-BDCE-3B8DA6D4401C}">
-  <ds:schemaRefs>
-    <ds:schemaRef ds:uri="http://schemas.microsoft.com/office/2006/metadata/properties"/>
-    <ds:schemaRef ds:uri="http://schemas.microsoft.com/office/infopath/2007/PartnerControls"/>
-  </ds:schemaRefs>
-</ds:datastoreItem>
 </file>